--- a/データ可視化講義v2.pptx
+++ b/データ可視化講義v2.pptx
@@ -210,7 +210,7 @@
 <file path=ppt/revisionInfo.xml><?xml version="1.0" encoding="utf-8"?>
 <p1510:revInfo xmlns:a="http://schemas.openxmlformats.org/drawingml/2006/main" xmlns:r="http://schemas.openxmlformats.org/officeDocument/2006/relationships" xmlns:p1510="http://schemas.microsoft.com/office/powerpoint/2015/10/main">
   <p1510:revLst>
-    <p1510:client id="{15EB2B9F-356C-413E-865D-980E924607E6}" v="4" dt="2025-09-22T02:55:14.796"/>
+    <p1510:client id="{15EB2B9F-356C-413E-865D-980E924607E6}" v="6" dt="2025-09-22T03:24:01.702"/>
   </p1510:revLst>
 </p1510:revInfo>
 </file>
@@ -220,7 +220,7 @@
   <pc:docChgLst>
     <pc:chgData name="李新肖" userId="3483d44f-07c2-4121-830d-c31393cfa5a3" providerId="ADAL" clId="{B52FC0D2-B578-4398-A8AC-C101D2C75B44}"/>
     <pc:docChg chg="undo custSel addSld delSld modSld sldOrd modMainMaster addSection modSection">
-      <pc:chgData name="李新肖" userId="3483d44f-07c2-4121-830d-c31393cfa5a3" providerId="ADAL" clId="{B52FC0D2-B578-4398-A8AC-C101D2C75B44}" dt="2025-09-22T03:06:59.938" v="7980" actId="20577"/>
+      <pc:chgData name="李新肖" userId="3483d44f-07c2-4121-830d-c31393cfa5a3" providerId="ADAL" clId="{B52FC0D2-B578-4398-A8AC-C101D2C75B44}" dt="2025-09-22T03:25:01.140" v="8198" actId="6549"/>
       <pc:docMkLst>
         <pc:docMk/>
       </pc:docMkLst>
@@ -1155,7 +1155,7 @@
         </pc:sldMkLst>
       </pc:sldChg>
       <pc:sldChg chg="delSp modSp add mod modNotesTx">
-        <pc:chgData name="李新肖" userId="3483d44f-07c2-4121-830d-c31393cfa5a3" providerId="ADAL" clId="{B52FC0D2-B578-4398-A8AC-C101D2C75B44}" dt="2025-09-22T03:06:59.938" v="7980" actId="20577"/>
+        <pc:chgData name="李新肖" userId="3483d44f-07c2-4121-830d-c31393cfa5a3" providerId="ADAL" clId="{B52FC0D2-B578-4398-A8AC-C101D2C75B44}" dt="2025-09-22T03:25:01.140" v="8198" actId="6549"/>
         <pc:sldMkLst>
           <pc:docMk/>
           <pc:sldMk cId="0" sldId="289"/>
@@ -1169,7 +1169,7 @@
           </ac:spMkLst>
         </pc:spChg>
         <pc:spChg chg="mod">
-          <ac:chgData name="李新肖" userId="3483d44f-07c2-4121-830d-c31393cfa5a3" providerId="ADAL" clId="{B52FC0D2-B578-4398-A8AC-C101D2C75B44}" dt="2025-09-22T03:06:59.938" v="7980" actId="20577"/>
+          <ac:chgData name="李新肖" userId="3483d44f-07c2-4121-830d-c31393cfa5a3" providerId="ADAL" clId="{B52FC0D2-B578-4398-A8AC-C101D2C75B44}" dt="2025-09-22T03:25:01.140" v="8198" actId="6549"/>
           <ac:spMkLst>
             <pc:docMk/>
             <pc:sldMk cId="0" sldId="289"/>
@@ -1276,7 +1276,7 @@
         </pc:spChg>
       </pc:sldChg>
       <pc:sldChg chg="modSp add mod">
-        <pc:chgData name="李新肖" userId="3483d44f-07c2-4121-830d-c31393cfa5a3" providerId="ADAL" clId="{B52FC0D2-B578-4398-A8AC-C101D2C75B44}" dt="2025-09-22T03:01:18.651" v="7562" actId="6549"/>
+        <pc:chgData name="李新肖" userId="3483d44f-07c2-4121-830d-c31393cfa5a3" providerId="ADAL" clId="{B52FC0D2-B578-4398-A8AC-C101D2C75B44}" dt="2025-09-22T03:24:39.239" v="8192" actId="207"/>
         <pc:sldMkLst>
           <pc:docMk/>
           <pc:sldMk cId="4205431507" sldId="293"/>
@@ -1290,7 +1290,7 @@
           </ac:spMkLst>
         </pc:spChg>
         <pc:spChg chg="mod">
-          <ac:chgData name="李新肖" userId="3483d44f-07c2-4121-830d-c31393cfa5a3" providerId="ADAL" clId="{B52FC0D2-B578-4398-A8AC-C101D2C75B44}" dt="2025-09-19T11:57:26.812" v="6676" actId="20577"/>
+          <ac:chgData name="李新肖" userId="3483d44f-07c2-4121-830d-c31393cfa5a3" providerId="ADAL" clId="{B52FC0D2-B578-4398-A8AC-C101D2C75B44}" dt="2025-09-22T03:24:39.239" v="8192" actId="207"/>
           <ac:spMkLst>
             <pc:docMk/>
             <pc:sldMk cId="4205431507" sldId="293"/>
@@ -20805,7 +20805,7 @@
         <p:spPr>
           <a:xfrm>
             <a:off x="457200" y="1869141"/>
-            <a:ext cx="8229600" cy="4257022"/>
+            <a:ext cx="8544560" cy="4257022"/>
           </a:xfrm>
         </p:spPr>
         <p:txBody>
@@ -20881,19 +20881,38 @@
             <a:endParaRPr lang="en-US" dirty="0"/>
           </a:p>
           <a:p>
-            <a:r>
-              <a:rPr lang="ja-JP" altLang="en-US" dirty="0"/>
-              <a:t>①と②を纏めて提出（</a:t>
-            </a:r>
-            <a:r>
-              <a:rPr lang="en-US" altLang="ja-JP" dirty="0"/>
-              <a:t>Word</a:t>
-            </a:r>
-            <a:r>
-              <a:rPr lang="ja-JP" altLang="en-US" dirty="0"/>
-              <a:t>でまとめる）。</a:t>
-            </a:r>
-            <a:endParaRPr dirty="0"/>
+            <a:pPr marL="0" indent="0">
+              <a:buNone/>
+            </a:pPr>
+            <a:r>
+              <a:rPr lang="ja-JP" altLang="en-US" dirty="0">
+                <a:solidFill>
+                  <a:srgbClr val="FF0000"/>
+                </a:solidFill>
+              </a:rPr>
+              <a:t>①と②を纏めて課内課題</a:t>
+            </a:r>
+            <a:r>
+              <a:rPr lang="en-US" altLang="ja-JP" dirty="0">
+                <a:solidFill>
+                  <a:srgbClr val="FF0000"/>
+                </a:solidFill>
+              </a:rPr>
+              <a:t>.docx</a:t>
+            </a:r>
+            <a:r>
+              <a:rPr lang="ja-JP" altLang="en-US" dirty="0">
+                <a:solidFill>
+                  <a:srgbClr val="FF0000"/>
+                </a:solidFill>
+              </a:rPr>
+              <a:t>を提出してください。</a:t>
+            </a:r>
+            <a:endParaRPr dirty="0">
+              <a:solidFill>
+                <a:srgbClr val="FF0000"/>
+              </a:solidFill>
+            </a:endParaRPr>
           </a:p>
         </p:txBody>
       </p:sp>
@@ -24089,18 +24108,15 @@
         <p:spPr>
           <a:xfrm>
             <a:off x="344020" y="1806284"/>
-            <a:ext cx="8799980" cy="3659876"/>
+            <a:ext cx="8799980" cy="4675796"/>
           </a:xfrm>
         </p:spPr>
         <p:txBody>
           <a:bodyPr>
-            <a:normAutofit fontScale="92500" lnSpcReduction="10000"/>
+            <a:normAutofit fontScale="85000" lnSpcReduction="20000"/>
           </a:bodyPr>
           <a:lstStyle/>
           <a:p>
-            <a:endParaRPr lang="en-US" sz="2100" dirty="0"/>
-          </a:p>
-          <a:p>
             <a:r>
               <a:rPr lang="en-US" sz="2100" dirty="0"/>
               <a:t>ChatGPT</a:t>
@@ -24119,11 +24135,11 @@
             </a:r>
             <a:r>
               <a:rPr lang="en-US" altLang="ja-JP" sz="2100" dirty="0"/>
-              <a:t>CSV</a:t>
+              <a:t>sutdent.csv</a:t>
             </a:r>
             <a:r>
               <a:rPr lang="ja-JP" altLang="en-US" sz="2100" dirty="0"/>
-              <a:t>フォーマットに）。</a:t>
+              <a:t>に）。</a:t>
             </a:r>
             <a:endParaRPr lang="en-US" sz="2100" dirty="0"/>
           </a:p>
@@ -24300,6 +24316,93 @@
             <a:r>
               <a:rPr lang="en-US" altLang="ja-JP" sz="2100" dirty="0"/>
               <a:t>.</a:t>
+            </a:r>
+          </a:p>
+          <a:p>
+            <a:pPr marL="0" indent="0">
+              <a:buNone/>
+            </a:pPr>
+            <a:endParaRPr lang="en-US" altLang="ja-JP" sz="2100" dirty="0"/>
+          </a:p>
+          <a:p>
+            <a:pPr marL="0" indent="0">
+              <a:buNone/>
+            </a:pPr>
+            <a:r>
+              <a:rPr lang="ja-JP" altLang="en-US" sz="2600" dirty="0">
+                <a:solidFill>
+                  <a:srgbClr val="FF0000"/>
+                </a:solidFill>
+              </a:rPr>
+              <a:t>提出物：</a:t>
+            </a:r>
+            <a:endParaRPr lang="en-US" altLang="ja-JP" sz="2600" dirty="0">
+              <a:solidFill>
+                <a:srgbClr val="FF0000"/>
+              </a:solidFill>
+            </a:endParaRPr>
+          </a:p>
+          <a:p>
+            <a:pPr marL="0" indent="0">
+              <a:buNone/>
+            </a:pPr>
+            <a:r>
+              <a:rPr lang="ja-JP" altLang="en-US" sz="2600" dirty="0">
+                <a:solidFill>
+                  <a:srgbClr val="FF0000"/>
+                </a:solidFill>
+              </a:rPr>
+              <a:t>・　</a:t>
+            </a:r>
+            <a:r>
+              <a:rPr lang="en-US" altLang="ja-JP" sz="2600" dirty="0">
+                <a:solidFill>
+                  <a:srgbClr val="FF0000"/>
+                </a:solidFill>
+              </a:rPr>
+              <a:t>studend.csv</a:t>
+            </a:r>
+          </a:p>
+          <a:p>
+            <a:pPr marL="0" indent="0">
+              <a:buNone/>
+            </a:pPr>
+            <a:r>
+              <a:rPr lang="ja-JP" altLang="en-US" sz="2600" dirty="0">
+                <a:solidFill>
+                  <a:srgbClr val="FF0000"/>
+                </a:solidFill>
+              </a:rPr>
+              <a:t>・　</a:t>
+            </a:r>
+            <a:r>
+              <a:rPr lang="en-US" altLang="ja-JP" sz="2600" dirty="0">
+                <a:solidFill>
+                  <a:srgbClr val="FF0000"/>
+                </a:solidFill>
+              </a:rPr>
+              <a:t>scatterplot2.html</a:t>
+            </a:r>
+          </a:p>
+          <a:p>
+            <a:pPr marL="0" indent="0">
+              <a:buNone/>
+            </a:pPr>
+            <a:r>
+              <a:rPr lang="ja-JP" altLang="en-US" sz="2600" dirty="0">
+                <a:solidFill>
+                  <a:srgbClr val="FF0000"/>
+                </a:solidFill>
+              </a:rPr>
+              <a:t>・  宿題提出</a:t>
+            </a:r>
+            <a:r>
+              <a:rPr lang="en-US" altLang="ja-JP" sz="2600" dirty="0">
+                <a:solidFill>
+                  <a:srgbClr val="FF0000"/>
+                </a:solidFill>
+              </a:rPr>
+              <a:t>.docx</a:t>
             </a:r>
           </a:p>
         </p:txBody>
